--- a/progress-talk/progress-talk.pptx
+++ b/progress-talk/progress-talk.pptx
@@ -290,7 +290,7 @@
           <a:p>
             <a:fld id="{2C816429-C98D-4170-9A85-495DB2A18C01}" type="datetimeFigureOut">
               <a:rPr lang="en-GB" smtClean="0"/>
-              <a:t>20/01/2015</a:t>
+              <a:t>21/01/2015</a:t>
             </a:fld>
             <a:endParaRPr lang="en-GB"/>
           </a:p>
@@ -460,7 +460,7 @@
           <a:p>
             <a:fld id="{2C816429-C98D-4170-9A85-495DB2A18C01}" type="datetimeFigureOut">
               <a:rPr lang="en-GB" smtClean="0"/>
-              <a:t>20/01/2015</a:t>
+              <a:t>21/01/2015</a:t>
             </a:fld>
             <a:endParaRPr lang="en-GB"/>
           </a:p>
@@ -640,7 +640,7 @@
           <a:p>
             <a:fld id="{2C816429-C98D-4170-9A85-495DB2A18C01}" type="datetimeFigureOut">
               <a:rPr lang="en-GB" smtClean="0"/>
-              <a:t>20/01/2015</a:t>
+              <a:t>21/01/2015</a:t>
             </a:fld>
             <a:endParaRPr lang="en-GB"/>
           </a:p>
@@ -810,7 +810,7 @@
           <a:p>
             <a:fld id="{2C816429-C98D-4170-9A85-495DB2A18C01}" type="datetimeFigureOut">
               <a:rPr lang="en-GB" smtClean="0"/>
-              <a:t>20/01/2015</a:t>
+              <a:t>21/01/2015</a:t>
             </a:fld>
             <a:endParaRPr lang="en-GB"/>
           </a:p>
@@ -1056,7 +1056,7 @@
           <a:p>
             <a:fld id="{2C816429-C98D-4170-9A85-495DB2A18C01}" type="datetimeFigureOut">
               <a:rPr lang="en-GB" smtClean="0"/>
-              <a:t>20/01/2015</a:t>
+              <a:t>21/01/2015</a:t>
             </a:fld>
             <a:endParaRPr lang="en-GB"/>
           </a:p>
@@ -1344,7 +1344,7 @@
           <a:p>
             <a:fld id="{2C816429-C98D-4170-9A85-495DB2A18C01}" type="datetimeFigureOut">
               <a:rPr lang="en-GB" smtClean="0"/>
-              <a:t>20/01/2015</a:t>
+              <a:t>21/01/2015</a:t>
             </a:fld>
             <a:endParaRPr lang="en-GB"/>
           </a:p>
@@ -1766,7 +1766,7 @@
           <a:p>
             <a:fld id="{2C816429-C98D-4170-9A85-495DB2A18C01}" type="datetimeFigureOut">
               <a:rPr lang="en-GB" smtClean="0"/>
-              <a:t>20/01/2015</a:t>
+              <a:t>21/01/2015</a:t>
             </a:fld>
             <a:endParaRPr lang="en-GB"/>
           </a:p>
@@ -1884,7 +1884,7 @@
           <a:p>
             <a:fld id="{2C816429-C98D-4170-9A85-495DB2A18C01}" type="datetimeFigureOut">
               <a:rPr lang="en-GB" smtClean="0"/>
-              <a:t>20/01/2015</a:t>
+              <a:t>21/01/2015</a:t>
             </a:fld>
             <a:endParaRPr lang="en-GB"/>
           </a:p>
@@ -1979,7 +1979,7 @@
           <a:p>
             <a:fld id="{2C816429-C98D-4170-9A85-495DB2A18C01}" type="datetimeFigureOut">
               <a:rPr lang="en-GB" smtClean="0"/>
-              <a:t>20/01/2015</a:t>
+              <a:t>21/01/2015</a:t>
             </a:fld>
             <a:endParaRPr lang="en-GB"/>
           </a:p>
@@ -2256,7 +2256,7 @@
           <a:p>
             <a:fld id="{2C816429-C98D-4170-9A85-495DB2A18C01}" type="datetimeFigureOut">
               <a:rPr lang="en-GB" smtClean="0"/>
-              <a:t>20/01/2015</a:t>
+              <a:t>21/01/2015</a:t>
             </a:fld>
             <a:endParaRPr lang="en-GB"/>
           </a:p>
@@ -2509,7 +2509,7 @@
           <a:p>
             <a:fld id="{2C816429-C98D-4170-9A85-495DB2A18C01}" type="datetimeFigureOut">
               <a:rPr lang="en-GB" smtClean="0"/>
-              <a:t>20/01/2015</a:t>
+              <a:t>21/01/2015</a:t>
             </a:fld>
             <a:endParaRPr lang="en-GB"/>
           </a:p>
@@ -2722,7 +2722,7 @@
           <a:p>
             <a:fld id="{2C816429-C98D-4170-9A85-495DB2A18C01}" type="datetimeFigureOut">
               <a:rPr lang="en-GB" smtClean="0"/>
-              <a:t>20/01/2015</a:t>
+              <a:t>21/01/2015</a:t>
             </a:fld>
             <a:endParaRPr lang="en-GB"/>
           </a:p>
@@ -3214,8 +3214,8 @@
           </a:p>
         </p:txBody>
       </p:sp>
-      <mc:AlternateContent xmlns:mc="http://schemas.openxmlformats.org/markup-compatibility/2006">
-        <mc:Choice xmlns:a14="http://schemas.microsoft.com/office/drawing/2010/main" Requires="a14">
+      <mc:AlternateContent xmlns:mc="http://schemas.openxmlformats.org/markup-compatibility/2006" xmlns:a14="http://schemas.microsoft.com/office/drawing/2010/main">
+        <mc:Choice Requires="a14">
           <p:sp>
             <p:nvSpPr>
               <p:cNvPr id="3" name="Content Placeholder 2"/>
@@ -3485,7 +3485,7 @@
             </p:txBody>
           </p:sp>
         </mc:Choice>
-        <mc:Fallback>
+        <mc:Fallback xmlns="">
           <p:sp>
             <p:nvSpPr>
               <p:cNvPr id="3" name="Content Placeholder 2"/>
